--- a/pssif/doc/weeklies/weekly_2013-12-04.pptx
+++ b/pssif/doc/weeklies/weekly_2013-12-04.pptx
@@ -1157,7 +1157,7 @@
             <a:fld id="{ACE4FC23-C35A-4BE0-9EC8-825B389764BA}" type="datetime1">
               <a:rPr lang="de-DE"/>
               <a:pPr/>
-              <a:t>03.12.2013</a:t>
+              <a:t>04.12.2013</a:t>
             </a:fld>
             <a:endParaRPr lang="de-DE"/>
           </a:p>
@@ -1355,7 +1355,7 @@
             <a:fld id="{21672FC7-93DD-4957-8E72-DA07716A30A5}" type="datetime1">
               <a:rPr lang="de-DE"/>
               <a:pPr/>
-              <a:t>03.12.2013</a:t>
+              <a:t>04.12.2013</a:t>
             </a:fld>
             <a:endParaRPr lang="de-DE"/>
           </a:p>
@@ -1543,7 +1543,7 @@
             <a:fld id="{C2F53C45-80A7-42AD-9827-14C03C3E22CF}" type="datetime1">
               <a:rPr lang="de-DE"/>
               <a:pPr/>
-              <a:t>03.12.2013</a:t>
+              <a:t>04.12.2013</a:t>
             </a:fld>
             <a:endParaRPr lang="de-DE"/>
           </a:p>
@@ -1753,7 +1753,7 @@
             <a:fld id="{513F14CD-6CE3-4EAB-BB25-38E0C605982F}" type="datetime1">
               <a:rPr lang="de-DE"/>
               <a:pPr/>
-              <a:t>03.12.2013</a:t>
+              <a:t>04.12.2013</a:t>
             </a:fld>
             <a:endParaRPr lang="de-DE"/>
           </a:p>
@@ -2059,7 +2059,7 @@
             <a:fld id="{BBF1C98C-FED4-48DA-880C-2904A330CCEF}" type="datetime1">
               <a:rPr lang="de-DE"/>
               <a:pPr/>
-              <a:t>03.12.2013</a:t>
+              <a:t>04.12.2013</a:t>
             </a:fld>
             <a:endParaRPr lang="de-DE"/>
           </a:p>
@@ -2504,7 +2504,7 @@
             <a:fld id="{A33381E0-90A0-477C-909D-14B3D7B16C9D}" type="datetime1">
               <a:rPr lang="de-DE"/>
               <a:pPr/>
-              <a:t>03.12.2013</a:t>
+              <a:t>04.12.2013</a:t>
             </a:fld>
             <a:endParaRPr lang="de-DE"/>
           </a:p>
@@ -2640,7 +2640,7 @@
             <a:fld id="{054A3ACB-1038-41C6-A9FA-A317B58708B1}" type="datetime1">
               <a:rPr lang="de-DE"/>
               <a:pPr/>
-              <a:t>03.12.2013</a:t>
+              <a:t>04.12.2013</a:t>
             </a:fld>
             <a:endParaRPr lang="de-DE"/>
           </a:p>
@@ -2753,7 +2753,7 @@
             <a:fld id="{154B3A50-64C3-4863-808F-0C6B5BAF521D}" type="datetime1">
               <a:rPr lang="de-DE"/>
               <a:pPr/>
-              <a:t>03.12.2013</a:t>
+              <a:t>04.12.2013</a:t>
             </a:fld>
             <a:endParaRPr lang="de-DE"/>
           </a:p>
@@ -3048,7 +3048,7 @@
             <a:fld id="{6382AB1B-186A-46BD-9543-2677F8291C47}" type="datetime1">
               <a:rPr lang="de-DE"/>
               <a:pPr/>
-              <a:t>03.12.2013</a:t>
+              <a:t>04.12.2013</a:t>
             </a:fld>
             <a:endParaRPr lang="de-DE"/>
           </a:p>
@@ -3324,7 +3324,7 @@
             <a:fld id="{FEE80326-E79B-47A8-8CA2-EE0AB9386318}" type="datetime1">
               <a:rPr lang="de-DE"/>
               <a:pPr/>
-              <a:t>03.12.2013</a:t>
+              <a:t>04.12.2013</a:t>
             </a:fld>
             <a:endParaRPr lang="de-DE"/>
           </a:p>
@@ -3609,7 +3609,7 @@
             <a:fld id="{C50E85F7-0E7B-4479-A523-139FB82A641A}" type="datetime1">
               <a:rPr lang="de-DE"/>
               <a:pPr/>
-              <a:t>03.12.2013</a:t>
+              <a:t>04.12.2013</a:t>
             </a:fld>
             <a:endParaRPr lang="de-DE"/>
           </a:p>
@@ -4219,7 +4219,6 @@
               <a:rPr lang="de-DE" dirty="0" smtClean="0"/>
               <a:t>04.12.2013</a:t>
             </a:r>
-            <a:endParaRPr lang="de-DE" dirty="0" smtClean="0"/>
           </a:p>
         </p:txBody>
       </p:sp>
@@ -4331,7 +4330,7 @@
             <a:fld id="{C2F53C45-80A7-42AD-9827-14C03C3E22CF}" type="datetime1">
               <a:rPr lang="de-DE" smtClean="0"/>
               <a:pPr/>
-              <a:t>03.12.2013</a:t>
+              <a:t>04.12.2013</a:t>
             </a:fld>
             <a:endParaRPr lang="de-DE"/>
           </a:p>
@@ -4494,8 +4493,6 @@
               <a:rPr lang="de-DE" dirty="0" smtClean="0"/>
               <a:t>Einheiten</a:t>
             </a:r>
-          </a:p>
-          <a:p>
             <a:endParaRPr lang="de-DE" dirty="0" smtClean="0"/>
           </a:p>
           <a:p>
@@ -4504,6 +4501,9 @@
           <a:p>
             <a:endParaRPr lang="de-DE" dirty="0" smtClean="0"/>
           </a:p>
+          <a:p>
+            <a:endParaRPr lang="de-DE" dirty="0" smtClean="0"/>
+          </a:p>
         </p:txBody>
       </p:sp>
       <p:sp>
@@ -4524,7 +4524,7 @@
             <a:fld id="{C2F53C45-80A7-42AD-9827-14C03C3E22CF}" type="datetime1">
               <a:rPr lang="de-DE" smtClean="0"/>
               <a:pPr/>
-              <a:t>03.12.2013</a:t>
+              <a:t>04.12.2013</a:t>
             </a:fld>
             <a:endParaRPr lang="de-DE" dirty="0"/>
           </a:p>
@@ -4660,15 +4660,19 @@
             <a:pPr lvl="1"/>
             <a:r>
               <a:rPr lang="de-DE" dirty="0" smtClean="0"/>
-              <a:t>Attribute gleichen namens </a:t>
-            </a:r>
-            <a:r>
-              <a:rPr lang="de-DE" dirty="0" err="1" smtClean="0"/>
-              <a:t>and</a:t>
+              <a:t>Attribute gleichen </a:t>
+            </a:r>
+            <a:r>
+              <a:rPr lang="de-DE" smtClean="0"/>
+              <a:t>namens </a:t>
+            </a:r>
+            <a:r>
+              <a:rPr lang="de-DE" smtClean="0"/>
+              <a:t>an </a:t>
             </a:r>
             <a:r>
               <a:rPr lang="de-DE" dirty="0" smtClean="0"/>
-              <a:t> mehreren </a:t>
+              <a:t>mehreren </a:t>
             </a:r>
             <a:r>
               <a:rPr lang="de-DE" dirty="0" err="1" smtClean="0"/>
@@ -4698,7 +4702,46 @@
             <a:pPr lvl="1"/>
             <a:r>
               <a:rPr lang="de-DE" dirty="0" smtClean="0"/>
-              <a:t>ggf. unterschiedliche Datentypen</a:t>
+              <a:t>ggf. unterschiedliche </a:t>
+            </a:r>
+            <a:r>
+              <a:rPr lang="de-DE" dirty="0" smtClean="0"/>
+              <a:t>Datentypen</a:t>
+            </a:r>
+          </a:p>
+          <a:p>
+            <a:pPr lvl="1"/>
+            <a:r>
+              <a:rPr lang="de-DE" dirty="0" err="1" smtClean="0"/>
+              <a:t>admissible</a:t>
+            </a:r>
+            <a:r>
+              <a:rPr lang="de-DE" dirty="0" smtClean="0"/>
+              <a:t> </a:t>
+            </a:r>
+            <a:r>
+              <a:rPr lang="de-DE" dirty="0" err="1" smtClean="0"/>
+              <a:t>units</a:t>
+            </a:r>
+            <a:r>
+              <a:rPr lang="de-DE" dirty="0" smtClean="0"/>
+              <a:t> </a:t>
+            </a:r>
+            <a:r>
+              <a:rPr lang="de-DE" dirty="0" err="1" smtClean="0"/>
+              <a:t>for</a:t>
+            </a:r>
+            <a:r>
+              <a:rPr lang="de-DE" dirty="0" smtClean="0"/>
+              <a:t> </a:t>
+            </a:r>
+            <a:r>
+              <a:rPr lang="de-DE" dirty="0" err="1" smtClean="0"/>
+              <a:t>datatype</a:t>
+            </a:r>
+            <a:r>
+              <a:rPr lang="de-DE" dirty="0" smtClean="0"/>
+              <a:t>?</a:t>
             </a:r>
             <a:endParaRPr lang="de-DE" dirty="0" smtClean="0"/>
           </a:p>
@@ -4725,7 +4768,6 @@
               <a:rPr lang="de-DE" dirty="0" smtClean="0"/>
               <a:t>Visio Modelle: konkrete Syntax?</a:t>
             </a:r>
-            <a:endParaRPr lang="de-DE" dirty="0" smtClean="0"/>
           </a:p>
           <a:p>
             <a:r>
@@ -4775,7 +4817,7 @@
           <a:p>
             <a:pPr lvl="1"/>
             <a:r>
-              <a:rPr lang="de-DE" smtClean="0"/>
+              <a:rPr lang="de-DE" dirty="0" smtClean="0"/>
               <a:t>BPMN/EPK?</a:t>
             </a:r>
           </a:p>
@@ -4799,7 +4841,7 @@
             <a:fld id="{C2F53C45-80A7-42AD-9827-14C03C3E22CF}" type="datetime1">
               <a:rPr lang="de-DE" smtClean="0"/>
               <a:pPr/>
-              <a:t>03.12.2013</a:t>
+              <a:t>04.12.2013</a:t>
             </a:fld>
             <a:endParaRPr lang="de-DE"/>
           </a:p>
@@ -4938,7 +4980,6 @@
               <a:rPr lang="de-DE" dirty="0" smtClean="0"/>
               <a:t>Transformationen</a:t>
             </a:r>
-            <a:endParaRPr lang="de-DE" dirty="0" smtClean="0"/>
           </a:p>
         </p:txBody>
       </p:sp>
@@ -4960,7 +5001,7 @@
             <a:fld id="{C2F53C45-80A7-42AD-9827-14C03C3E22CF}" type="datetime1">
               <a:rPr lang="de-DE" smtClean="0"/>
               <a:pPr/>
-              <a:t>03.12.2013</a:t>
+              <a:t>04.12.2013</a:t>
             </a:fld>
             <a:endParaRPr lang="de-DE"/>
           </a:p>
